--- a/ActiveNet Trainer/Courses/Reports/Cash Out Report/Cash Out Policies.pptx
+++ b/ActiveNet Trainer/Courses/Reports/Cash Out Report/Cash Out Policies.pptx
@@ -246,7 +246,7 @@
           <a:p>
             <a:fld id="{8472C7DE-940F-F84D-87FC-CB6C77FFB87A}" type="datetimeFigureOut">
               <a:rPr lang="en-US" smtClean="0"/>
-              <a:t>1/11/17</a:t>
+              <a:t>1/25/17</a:t>
             </a:fld>
             <a:endParaRPr lang="en-US"/>
           </a:p>
@@ -416,7 +416,7 @@
           <a:p>
             <a:fld id="{8472C7DE-940F-F84D-87FC-CB6C77FFB87A}" type="datetimeFigureOut">
               <a:rPr lang="en-US" smtClean="0"/>
-              <a:t>1/11/17</a:t>
+              <a:t>1/25/17</a:t>
             </a:fld>
             <a:endParaRPr lang="en-US"/>
           </a:p>
@@ -596,7 +596,7 @@
           <a:p>
             <a:fld id="{8472C7DE-940F-F84D-87FC-CB6C77FFB87A}" type="datetimeFigureOut">
               <a:rPr lang="en-US" smtClean="0"/>
-              <a:t>1/11/17</a:t>
+              <a:t>1/25/17</a:t>
             </a:fld>
             <a:endParaRPr lang="en-US"/>
           </a:p>
@@ -766,7 +766,7 @@
           <a:p>
             <a:fld id="{8472C7DE-940F-F84D-87FC-CB6C77FFB87A}" type="datetimeFigureOut">
               <a:rPr lang="en-US" smtClean="0"/>
-              <a:t>1/11/17</a:t>
+              <a:t>1/25/17</a:t>
             </a:fld>
             <a:endParaRPr lang="en-US"/>
           </a:p>
@@ -1010,7 +1010,7 @@
           <a:p>
             <a:fld id="{8472C7DE-940F-F84D-87FC-CB6C77FFB87A}" type="datetimeFigureOut">
               <a:rPr lang="en-US" smtClean="0"/>
-              <a:t>1/11/17</a:t>
+              <a:t>1/25/17</a:t>
             </a:fld>
             <a:endParaRPr lang="en-US"/>
           </a:p>
@@ -1242,7 +1242,7 @@
           <a:p>
             <a:fld id="{8472C7DE-940F-F84D-87FC-CB6C77FFB87A}" type="datetimeFigureOut">
               <a:rPr lang="en-US" smtClean="0"/>
-              <a:t>1/11/17</a:t>
+              <a:t>1/25/17</a:t>
             </a:fld>
             <a:endParaRPr lang="en-US"/>
           </a:p>
@@ -1609,7 +1609,7 @@
           <a:p>
             <a:fld id="{8472C7DE-940F-F84D-87FC-CB6C77FFB87A}" type="datetimeFigureOut">
               <a:rPr lang="en-US" smtClean="0"/>
-              <a:t>1/11/17</a:t>
+              <a:t>1/25/17</a:t>
             </a:fld>
             <a:endParaRPr lang="en-US"/>
           </a:p>
@@ -1727,7 +1727,7 @@
           <a:p>
             <a:fld id="{8472C7DE-940F-F84D-87FC-CB6C77FFB87A}" type="datetimeFigureOut">
               <a:rPr lang="en-US" smtClean="0"/>
-              <a:t>1/11/17</a:t>
+              <a:t>1/25/17</a:t>
             </a:fld>
             <a:endParaRPr lang="en-US"/>
           </a:p>
@@ -1822,7 +1822,7 @@
           <a:p>
             <a:fld id="{8472C7DE-940F-F84D-87FC-CB6C77FFB87A}" type="datetimeFigureOut">
               <a:rPr lang="en-US" smtClean="0"/>
-              <a:t>1/11/17</a:t>
+              <a:t>1/25/17</a:t>
             </a:fld>
             <a:endParaRPr lang="en-US"/>
           </a:p>
@@ -2099,7 +2099,7 @@
           <a:p>
             <a:fld id="{8472C7DE-940F-F84D-87FC-CB6C77FFB87A}" type="datetimeFigureOut">
               <a:rPr lang="en-US" smtClean="0"/>
-              <a:t>1/11/17</a:t>
+              <a:t>1/25/17</a:t>
             </a:fld>
             <a:endParaRPr lang="en-US"/>
           </a:p>
@@ -2356,7 +2356,7 @@
           <a:p>
             <a:fld id="{8472C7DE-940F-F84D-87FC-CB6C77FFB87A}" type="datetimeFigureOut">
               <a:rPr lang="en-US" smtClean="0"/>
-              <a:t>1/11/17</a:t>
+              <a:t>1/25/17</a:t>
             </a:fld>
             <a:endParaRPr lang="en-US"/>
           </a:p>
@@ -2569,7 +2569,7 @@
           <a:p>
             <a:fld id="{8472C7DE-940F-F84D-87FC-CB6C77FFB87A}" type="datetimeFigureOut">
               <a:rPr lang="en-US" smtClean="0"/>
-              <a:t>1/11/17</a:t>
+              <a:t>1/25/17</a:t>
             </a:fld>
             <a:endParaRPr lang="en-US"/>
           </a:p>
@@ -4255,7 +4255,15 @@
                     <a:schemeClr val="tx1"/>
                   </a:solidFill>
                 </a:rPr>
-                <a:t>Cash Receipt Report</a:t>
+                <a:t>Cash Receipt </a:t>
+              </a:r>
+              <a:r>
+                <a:rPr lang="en-US" sz="1200" b="1" dirty="0" smtClean="0">
+                  <a:solidFill>
+                    <a:schemeClr val="tx1"/>
+                  </a:solidFill>
+                </a:rPr>
+                <a:t>Report</a:t>
               </a:r>
               <a:r>
                 <a:rPr lang="en-US" sz="1200" dirty="0" smtClean="0">
@@ -4263,7 +4271,15 @@
                     <a:schemeClr val="tx1"/>
                   </a:solidFill>
                 </a:rPr>
-                <a:t>, you want to print the Summary Report and include it with the reporting envelope. The Summary Report only includes information such as location, subtotals for all monies fo</a:t>
+                <a:t>, you want to print the </a:t>
+              </a:r>
+              <a:r>
+                <a:rPr lang="en-US" sz="1200" b="1" dirty="0" smtClean="0">
+                  <a:solidFill>
+                    <a:schemeClr val="tx1"/>
+                  </a:solidFill>
+                </a:rPr>
+                <a:t>Summary Report</a:t>
               </a:r>
               <a:r>
                 <a:rPr lang="en-US" sz="1200" dirty="0" smtClean="0">
@@ -4271,7 +4287,7 @@
                     <a:schemeClr val="tx1"/>
                   </a:solidFill>
                 </a:rPr>
-                <a:t>r the day, and your final balance. The balance on the report should match the monies in your daily deposit.</a:t>
+                <a:t> and include it with the reporting envelope. The Summary Report only includes information such as location, subtotals for all monies for the day, and your final balance. The balance on the report should match the monies in your daily deposit.</a:t>
               </a:r>
             </a:p>
             <a:p>
@@ -4288,7 +4304,23 @@
                     <a:schemeClr val="tx1"/>
                   </a:solidFill>
                 </a:rPr>
-                <a:t>If you need to look up a transaction from the day, or wish to see a breakdown of transactions, do not select the </a:t>
+                <a:t>If you need to look up a transaction from the day, or wish to see a breakdown of transactions, </a:t>
+              </a:r>
+              <a:r>
+                <a:rPr lang="en-US" sz="1200" i="1" dirty="0" smtClean="0">
+                  <a:solidFill>
+                    <a:schemeClr val="tx1"/>
+                  </a:solidFill>
+                </a:rPr>
+                <a:t>do not</a:t>
+              </a:r>
+              <a:r>
+                <a:rPr lang="en-US" sz="1200" dirty="0" smtClean="0">
+                  <a:solidFill>
+                    <a:schemeClr val="tx1"/>
+                  </a:solidFill>
+                </a:rPr>
+                <a:t> select the </a:t>
               </a:r>
               <a:r>
                 <a:rPr lang="en-US" sz="1200" b="1" dirty="0" smtClean="0">
@@ -4593,7 +4625,39 @@
                     <a:schemeClr val="tx1"/>
                   </a:solidFill>
                 </a:rPr>
-                <a:t>In a secure location, your job is to count all monies received for the day. This process should include a total of 2 people: one to count the monies and one to run the report.</a:t>
+                <a:t>In a secure location, your job is to count all monies </a:t>
+              </a:r>
+              <a:r>
+                <a:rPr lang="en-US" sz="1200" dirty="0" smtClean="0">
+                  <a:solidFill>
+                    <a:schemeClr val="tx1"/>
+                  </a:solidFill>
+                </a:rPr>
+                <a:t>processed for </a:t>
+              </a:r>
+              <a:r>
+                <a:rPr lang="en-US" sz="1200" dirty="0" smtClean="0">
+                  <a:solidFill>
+                    <a:schemeClr val="tx1"/>
+                  </a:solidFill>
+                </a:rPr>
+                <a:t>the day. This </a:t>
+              </a:r>
+              <a:r>
+                <a:rPr lang="en-US" sz="1200" dirty="0" smtClean="0">
+                  <a:solidFill>
+                    <a:schemeClr val="tx1"/>
+                  </a:solidFill>
+                </a:rPr>
+                <a:t>procedure should </a:t>
+              </a:r>
+              <a:r>
+                <a:rPr lang="en-US" sz="1200" dirty="0" smtClean="0">
+                  <a:solidFill>
+                    <a:schemeClr val="tx1"/>
+                  </a:solidFill>
+                </a:rPr>
+                <a:t>include a total of 2 people: one to count the monies and one to run the report.</a:t>
               </a:r>
             </a:p>
             <a:p>
